--- a/UNDER DEVELOPMENT/OPAR Version 2/JESTER/SYTGT008_TARTUS_AMMUNITION_FACTORY.pptx
+++ b/UNDER DEVELOPMENT/OPAR Version 2/JESTER/SYTGT008_TARTUS_AMMUNITION_FACTORY.pptx
@@ -109,7 +109,7 @@
   </p:defaultTextStyle>
   <p:extLst>
     <p:ext uri="{EFAFB233-063F-42B5-8137-9DF3F51BA10A}">
-      <p15:sldGuideLst xmlns:p15="http://schemas.microsoft.com/office/powerpoint/2012/main">
+      <p15:sldGuideLst xmlns:p15="http://schemas.microsoft.com/office/powerpoint/2012/main" xmlns="">
         <p15:guide id="1" orient="horz" pos="1620">
           <p15:clr>
             <a:srgbClr val="A4A3A4"/>
@@ -209,7 +209,7 @@
             <a:fld id="{40637A30-8EE1-4060-9976-8832FC89EE34}" type="datetimeFigureOut">
               <a:rPr lang="nb-NO" smtClean="0"/>
               <a:pPr/>
-              <a:t>02.01.2022</a:t>
+              <a:t>09.06.2022</a:t>
             </a:fld>
             <a:endParaRPr lang="nb-NO"/>
           </a:p>
@@ -3617,7 +3617,7 @@
           <p:cNvPr id="9" name="Picture 8" descr="A picture containing text&#10;&#10;Description automatically generated">
             <a:extLst>
               <a:ext uri="{FF2B5EF4-FFF2-40B4-BE49-F238E27FC236}">
-                <a16:creationId xmlns:a16="http://schemas.microsoft.com/office/drawing/2014/main" id="{BD461FC5-86D3-4E57-AB5C-B61A7510382D}"/>
+                <a16:creationId xmlns:a16="http://schemas.microsoft.com/office/drawing/2014/main" xmlns="" id="{BD461FC5-86D3-4E57-AB5C-B61A7510382D}"/>
               </a:ext>
             </a:extLst>
           </p:cNvPr>
@@ -3630,7 +3630,7 @@
           <a:blip r:embed="rId2" cstate="print">
             <a:extLst>
               <a:ext uri="{BEBA8EAE-BF5A-486C-A8C5-ECC9F3942E4B}">
-                <a14:imgProps xmlns:a14="http://schemas.microsoft.com/office/drawing/2010/main">
+                <a14:imgProps xmlns:a14="http://schemas.microsoft.com/office/drawing/2010/main" xmlns="">
                   <a14:imgLayer r:embed="rId3">
                     <a14:imgEffect>
                       <a14:artisticFilmGrain/>
@@ -3642,7 +3642,7 @@
                 </a14:imgProps>
               </a:ext>
               <a:ext uri="{28A0092B-C50C-407E-A947-70E740481C1C}">
-                <a14:useLocalDpi xmlns:a14="http://schemas.microsoft.com/office/drawing/2010/main" val="0"/>
+                <a14:useLocalDpi xmlns:a14="http://schemas.microsoft.com/office/drawing/2010/main" xmlns="" val="0"/>
               </a:ext>
             </a:extLst>
           </a:blip>
@@ -4898,7 +4898,7 @@
           <p:cNvPr id="151" name="Isosceles Triangle 150">
             <a:extLst>
               <a:ext uri="{FF2B5EF4-FFF2-40B4-BE49-F238E27FC236}">
-                <a16:creationId xmlns:a16="http://schemas.microsoft.com/office/drawing/2014/main" id="{A5C2F99E-5658-491B-A248-A6112344E58D}"/>
+                <a16:creationId xmlns:a16="http://schemas.microsoft.com/office/drawing/2014/main" xmlns="" id="{A5C2F99E-5658-491B-A248-A6112344E58D}"/>
               </a:ext>
             </a:extLst>
           </p:cNvPr>
@@ -4954,7 +4954,7 @@
           <p:cNvPr id="41" name="TekstSylinder 9">
             <a:extLst>
               <a:ext uri="{FF2B5EF4-FFF2-40B4-BE49-F238E27FC236}">
-                <a16:creationId xmlns:a16="http://schemas.microsoft.com/office/drawing/2014/main" id="{86FA4300-0B9C-4642-951F-280452AC2DFE}"/>
+                <a16:creationId xmlns:a16="http://schemas.microsoft.com/office/drawing/2014/main" xmlns="" id="{86FA4300-0B9C-4642-951F-280452AC2DFE}"/>
               </a:ext>
             </a:extLst>
           </p:cNvPr>
@@ -4995,7 +4995,7 @@
           <p:cNvPr id="42" name="Isosceles Triangle 41">
             <a:extLst>
               <a:ext uri="{FF2B5EF4-FFF2-40B4-BE49-F238E27FC236}">
-                <a16:creationId xmlns:a16="http://schemas.microsoft.com/office/drawing/2014/main" id="{A7B99691-E64D-4641-99EB-82656B79537F}"/>
+                <a16:creationId xmlns:a16="http://schemas.microsoft.com/office/drawing/2014/main" xmlns="" id="{A7B99691-E64D-4641-99EB-82656B79537F}"/>
               </a:ext>
             </a:extLst>
           </p:cNvPr>
@@ -5051,7 +5051,7 @@
           <p:cNvPr id="43" name="Isosceles Triangle 42">
             <a:extLst>
               <a:ext uri="{FF2B5EF4-FFF2-40B4-BE49-F238E27FC236}">
-                <a16:creationId xmlns:a16="http://schemas.microsoft.com/office/drawing/2014/main" id="{BD5C11EF-04F5-43FA-968D-D9FFB9CAE5F7}"/>
+                <a16:creationId xmlns:a16="http://schemas.microsoft.com/office/drawing/2014/main" xmlns="" id="{BD5C11EF-04F5-43FA-968D-D9FFB9CAE5F7}"/>
               </a:ext>
             </a:extLst>
           </p:cNvPr>
@@ -5107,7 +5107,7 @@
           <p:cNvPr id="44" name="Isosceles Triangle 43">
             <a:extLst>
               <a:ext uri="{FF2B5EF4-FFF2-40B4-BE49-F238E27FC236}">
-                <a16:creationId xmlns:a16="http://schemas.microsoft.com/office/drawing/2014/main" id="{946F90CC-5282-425E-9D27-E592A153025C}"/>
+                <a16:creationId xmlns:a16="http://schemas.microsoft.com/office/drawing/2014/main" xmlns="" id="{946F90CC-5282-425E-9D27-E592A153025C}"/>
               </a:ext>
             </a:extLst>
           </p:cNvPr>
@@ -5163,7 +5163,7 @@
           <p:cNvPr id="45" name="Isosceles Triangle 44">
             <a:extLst>
               <a:ext uri="{FF2B5EF4-FFF2-40B4-BE49-F238E27FC236}">
-                <a16:creationId xmlns:a16="http://schemas.microsoft.com/office/drawing/2014/main" id="{ABE43B0D-04FC-4263-A4FF-3AEC99041435}"/>
+                <a16:creationId xmlns:a16="http://schemas.microsoft.com/office/drawing/2014/main" xmlns="" id="{ABE43B0D-04FC-4263-A4FF-3AEC99041435}"/>
               </a:ext>
             </a:extLst>
           </p:cNvPr>
@@ -5219,7 +5219,7 @@
           <p:cNvPr id="46" name="Isosceles Triangle 45">
             <a:extLst>
               <a:ext uri="{FF2B5EF4-FFF2-40B4-BE49-F238E27FC236}">
-                <a16:creationId xmlns:a16="http://schemas.microsoft.com/office/drawing/2014/main" id="{14EDE108-27E1-4AC9-B453-D1D475ADD24D}"/>
+                <a16:creationId xmlns:a16="http://schemas.microsoft.com/office/drawing/2014/main" xmlns="" id="{14EDE108-27E1-4AC9-B453-D1D475ADD24D}"/>
               </a:ext>
             </a:extLst>
           </p:cNvPr>
@@ -5275,7 +5275,7 @@
           <p:cNvPr id="47" name="Isosceles Triangle 46">
             <a:extLst>
               <a:ext uri="{FF2B5EF4-FFF2-40B4-BE49-F238E27FC236}">
-                <a16:creationId xmlns:a16="http://schemas.microsoft.com/office/drawing/2014/main" id="{AAF21D6A-86CA-4A95-9D8C-67EF2B1FAC1B}"/>
+                <a16:creationId xmlns:a16="http://schemas.microsoft.com/office/drawing/2014/main" xmlns="" id="{AAF21D6A-86CA-4A95-9D8C-67EF2B1FAC1B}"/>
               </a:ext>
             </a:extLst>
           </p:cNvPr>
@@ -5331,7 +5331,7 @@
           <p:cNvPr id="48" name="Isosceles Triangle 47">
             <a:extLst>
               <a:ext uri="{FF2B5EF4-FFF2-40B4-BE49-F238E27FC236}">
-                <a16:creationId xmlns:a16="http://schemas.microsoft.com/office/drawing/2014/main" id="{ED81E308-1847-44D9-9125-E234953F9720}"/>
+                <a16:creationId xmlns:a16="http://schemas.microsoft.com/office/drawing/2014/main" xmlns="" id="{ED81E308-1847-44D9-9125-E234953F9720}"/>
               </a:ext>
             </a:extLst>
           </p:cNvPr>
@@ -5387,7 +5387,7 @@
           <p:cNvPr id="51" name="Isosceles Triangle 50">
             <a:extLst>
               <a:ext uri="{FF2B5EF4-FFF2-40B4-BE49-F238E27FC236}">
-                <a16:creationId xmlns:a16="http://schemas.microsoft.com/office/drawing/2014/main" id="{E2864540-D097-47BF-8403-02240A5135BE}"/>
+                <a16:creationId xmlns:a16="http://schemas.microsoft.com/office/drawing/2014/main" xmlns="" id="{E2864540-D097-47BF-8403-02240A5135BE}"/>
               </a:ext>
             </a:extLst>
           </p:cNvPr>
@@ -5443,7 +5443,7 @@
           <p:cNvPr id="52" name="Isosceles Triangle 51">
             <a:extLst>
               <a:ext uri="{FF2B5EF4-FFF2-40B4-BE49-F238E27FC236}">
-                <a16:creationId xmlns:a16="http://schemas.microsoft.com/office/drawing/2014/main" id="{B4FD311D-8EDD-45FC-8286-8164CFEBB19F}"/>
+                <a16:creationId xmlns:a16="http://schemas.microsoft.com/office/drawing/2014/main" xmlns="" id="{B4FD311D-8EDD-45FC-8286-8164CFEBB19F}"/>
               </a:ext>
             </a:extLst>
           </p:cNvPr>
@@ -5499,7 +5499,7 @@
           <p:cNvPr id="55" name="Isosceles Triangle 54">
             <a:extLst>
               <a:ext uri="{FF2B5EF4-FFF2-40B4-BE49-F238E27FC236}">
-                <a16:creationId xmlns:a16="http://schemas.microsoft.com/office/drawing/2014/main" id="{35CEC61A-46A9-4687-86EF-17C18759F020}"/>
+                <a16:creationId xmlns:a16="http://schemas.microsoft.com/office/drawing/2014/main" xmlns="" id="{35CEC61A-46A9-4687-86EF-17C18759F020}"/>
               </a:ext>
             </a:extLst>
           </p:cNvPr>
@@ -5555,7 +5555,7 @@
           <p:cNvPr id="56" name="TekstSylinder 9">
             <a:extLst>
               <a:ext uri="{FF2B5EF4-FFF2-40B4-BE49-F238E27FC236}">
-                <a16:creationId xmlns:a16="http://schemas.microsoft.com/office/drawing/2014/main" id="{E35A948A-4CD8-4817-A120-2BEAC2331FBF}"/>
+                <a16:creationId xmlns:a16="http://schemas.microsoft.com/office/drawing/2014/main" xmlns="" id="{E35A948A-4CD8-4817-A120-2BEAC2331FBF}"/>
               </a:ext>
             </a:extLst>
           </p:cNvPr>
@@ -5596,7 +5596,7 @@
           <p:cNvPr id="57" name="TekstSylinder 9">
             <a:extLst>
               <a:ext uri="{FF2B5EF4-FFF2-40B4-BE49-F238E27FC236}">
-                <a16:creationId xmlns:a16="http://schemas.microsoft.com/office/drawing/2014/main" id="{0E983C01-59A5-4BDD-B1CC-97162FF335A1}"/>
+                <a16:creationId xmlns:a16="http://schemas.microsoft.com/office/drawing/2014/main" xmlns="" id="{0E983C01-59A5-4BDD-B1CC-97162FF335A1}"/>
               </a:ext>
             </a:extLst>
           </p:cNvPr>
@@ -5637,7 +5637,7 @@
           <p:cNvPr id="58" name="TekstSylinder 9">
             <a:extLst>
               <a:ext uri="{FF2B5EF4-FFF2-40B4-BE49-F238E27FC236}">
-                <a16:creationId xmlns:a16="http://schemas.microsoft.com/office/drawing/2014/main" id="{8F23732B-420C-45DD-BD71-83057052831A}"/>
+                <a16:creationId xmlns:a16="http://schemas.microsoft.com/office/drawing/2014/main" xmlns="" id="{8F23732B-420C-45DD-BD71-83057052831A}"/>
               </a:ext>
             </a:extLst>
           </p:cNvPr>
@@ -5678,7 +5678,7 @@
           <p:cNvPr id="59" name="TekstSylinder 9">
             <a:extLst>
               <a:ext uri="{FF2B5EF4-FFF2-40B4-BE49-F238E27FC236}">
-                <a16:creationId xmlns:a16="http://schemas.microsoft.com/office/drawing/2014/main" id="{C0419CEC-1E48-4CBC-89D8-AA78B43A7840}"/>
+                <a16:creationId xmlns:a16="http://schemas.microsoft.com/office/drawing/2014/main" xmlns="" id="{C0419CEC-1E48-4CBC-89D8-AA78B43A7840}"/>
               </a:ext>
             </a:extLst>
           </p:cNvPr>
@@ -5719,7 +5719,7 @@
           <p:cNvPr id="60" name="TekstSylinder 9">
             <a:extLst>
               <a:ext uri="{FF2B5EF4-FFF2-40B4-BE49-F238E27FC236}">
-                <a16:creationId xmlns:a16="http://schemas.microsoft.com/office/drawing/2014/main" id="{19A44039-7CEE-4F39-9682-3FFA8EB4ECDE}"/>
+                <a16:creationId xmlns:a16="http://schemas.microsoft.com/office/drawing/2014/main" xmlns="" id="{19A44039-7CEE-4F39-9682-3FFA8EB4ECDE}"/>
               </a:ext>
             </a:extLst>
           </p:cNvPr>
@@ -5760,7 +5760,7 @@
           <p:cNvPr id="61" name="TekstSylinder 9">
             <a:extLst>
               <a:ext uri="{FF2B5EF4-FFF2-40B4-BE49-F238E27FC236}">
-                <a16:creationId xmlns:a16="http://schemas.microsoft.com/office/drawing/2014/main" id="{BE79AD37-2555-43BF-BE64-1406A0C62C06}"/>
+                <a16:creationId xmlns:a16="http://schemas.microsoft.com/office/drawing/2014/main" xmlns="" id="{BE79AD37-2555-43BF-BE64-1406A0C62C06}"/>
               </a:ext>
             </a:extLst>
           </p:cNvPr>
@@ -5801,7 +5801,7 @@
           <p:cNvPr id="62" name="TekstSylinder 9">
             <a:extLst>
               <a:ext uri="{FF2B5EF4-FFF2-40B4-BE49-F238E27FC236}">
-                <a16:creationId xmlns:a16="http://schemas.microsoft.com/office/drawing/2014/main" id="{616C46E6-0062-4C4F-84AC-DDBB3EA17C9B}"/>
+                <a16:creationId xmlns:a16="http://schemas.microsoft.com/office/drawing/2014/main" xmlns="" id="{616C46E6-0062-4C4F-84AC-DDBB3EA17C9B}"/>
               </a:ext>
             </a:extLst>
           </p:cNvPr>
@@ -5842,7 +5842,7 @@
           <p:cNvPr id="63" name="TekstSylinder 9">
             <a:extLst>
               <a:ext uri="{FF2B5EF4-FFF2-40B4-BE49-F238E27FC236}">
-                <a16:creationId xmlns:a16="http://schemas.microsoft.com/office/drawing/2014/main" id="{75FC412D-8A7B-41A1-A87E-6235CAE178A4}"/>
+                <a16:creationId xmlns:a16="http://schemas.microsoft.com/office/drawing/2014/main" xmlns="" id="{75FC412D-8A7B-41A1-A87E-6235CAE178A4}"/>
               </a:ext>
             </a:extLst>
           </p:cNvPr>
@@ -5883,7 +5883,7 @@
           <p:cNvPr id="64" name="TekstSylinder 9">
             <a:extLst>
               <a:ext uri="{FF2B5EF4-FFF2-40B4-BE49-F238E27FC236}">
-                <a16:creationId xmlns:a16="http://schemas.microsoft.com/office/drawing/2014/main" id="{765AA00D-7385-4A0A-91C8-229DB0C65FCE}"/>
+                <a16:creationId xmlns:a16="http://schemas.microsoft.com/office/drawing/2014/main" xmlns="" id="{765AA00D-7385-4A0A-91C8-229DB0C65FCE}"/>
               </a:ext>
             </a:extLst>
           </p:cNvPr>
@@ -5924,7 +5924,7 @@
           <p:cNvPr id="65" name="TekstSylinder 9">
             <a:extLst>
               <a:ext uri="{FF2B5EF4-FFF2-40B4-BE49-F238E27FC236}">
-                <a16:creationId xmlns:a16="http://schemas.microsoft.com/office/drawing/2014/main" id="{5891180C-A605-4BD8-8C41-0855395AC4D5}"/>
+                <a16:creationId xmlns:a16="http://schemas.microsoft.com/office/drawing/2014/main" xmlns="" id="{5891180C-A605-4BD8-8C41-0855395AC4D5}"/>
               </a:ext>
             </a:extLst>
           </p:cNvPr>
@@ -5965,7 +5965,7 @@
           <p:cNvPr id="10" name="Freeform: Shape 9">
             <a:extLst>
               <a:ext uri="{FF2B5EF4-FFF2-40B4-BE49-F238E27FC236}">
-                <a16:creationId xmlns:a16="http://schemas.microsoft.com/office/drawing/2014/main" id="{E75F9DFE-9750-4B25-8D81-D703DBDBD2E8}"/>
+                <a16:creationId xmlns:a16="http://schemas.microsoft.com/office/drawing/2014/main" xmlns="" id="{E75F9DFE-9750-4B25-8D81-D703DBDBD2E8}"/>
               </a:ext>
             </a:extLst>
           </p:cNvPr>
@@ -6134,7 +6134,7 @@
     </p:spTree>
     <p:extLst>
       <p:ext uri="{BB962C8B-B14F-4D97-AF65-F5344CB8AC3E}">
-        <p14:creationId xmlns:p14="http://schemas.microsoft.com/office/powerpoint/2010/main" val="49096620"/>
+        <p14:creationId xmlns:p14="http://schemas.microsoft.com/office/powerpoint/2010/main" xmlns="" val="49096620"/>
       </p:ext>
     </p:extLst>
   </p:cSld>
